--- a/Relatorio/image/PESTA/flowchart/Generic_structure.pptx
+++ b/Relatorio/image/PESTA/flowchart/Generic_structure.pptx
@@ -269,7 +269,7 @@
           <a:p>
             <a:fld id="{486408F3-248D-4767-B5FA-BB4B09811B03}" type="datetimeFigureOut">
               <a:rPr lang="en-GB" smtClean="0"/>
-              <a:t>08/05/2021</a:t>
+              <a:t>21/06/2021</a:t>
             </a:fld>
             <a:endParaRPr lang="en-GB"/>
           </a:p>
@@ -469,7 +469,7 @@
           <a:p>
             <a:fld id="{486408F3-248D-4767-B5FA-BB4B09811B03}" type="datetimeFigureOut">
               <a:rPr lang="en-GB" smtClean="0"/>
-              <a:t>08/05/2021</a:t>
+              <a:t>21/06/2021</a:t>
             </a:fld>
             <a:endParaRPr lang="en-GB"/>
           </a:p>
@@ -679,7 +679,7 @@
           <a:p>
             <a:fld id="{486408F3-248D-4767-B5FA-BB4B09811B03}" type="datetimeFigureOut">
               <a:rPr lang="en-GB" smtClean="0"/>
-              <a:t>08/05/2021</a:t>
+              <a:t>21/06/2021</a:t>
             </a:fld>
             <a:endParaRPr lang="en-GB"/>
           </a:p>
@@ -879,7 +879,7 @@
           <a:p>
             <a:fld id="{486408F3-248D-4767-B5FA-BB4B09811B03}" type="datetimeFigureOut">
               <a:rPr lang="en-GB" smtClean="0"/>
-              <a:t>08/05/2021</a:t>
+              <a:t>21/06/2021</a:t>
             </a:fld>
             <a:endParaRPr lang="en-GB"/>
           </a:p>
@@ -1155,7 +1155,7 @@
           <a:p>
             <a:fld id="{486408F3-248D-4767-B5FA-BB4B09811B03}" type="datetimeFigureOut">
               <a:rPr lang="en-GB" smtClean="0"/>
-              <a:t>08/05/2021</a:t>
+              <a:t>21/06/2021</a:t>
             </a:fld>
             <a:endParaRPr lang="en-GB"/>
           </a:p>
@@ -1423,7 +1423,7 @@
           <a:p>
             <a:fld id="{486408F3-248D-4767-B5FA-BB4B09811B03}" type="datetimeFigureOut">
               <a:rPr lang="en-GB" smtClean="0"/>
-              <a:t>08/05/2021</a:t>
+              <a:t>21/06/2021</a:t>
             </a:fld>
             <a:endParaRPr lang="en-GB"/>
           </a:p>
@@ -1838,7 +1838,7 @@
           <a:p>
             <a:fld id="{486408F3-248D-4767-B5FA-BB4B09811B03}" type="datetimeFigureOut">
               <a:rPr lang="en-GB" smtClean="0"/>
-              <a:t>08/05/2021</a:t>
+              <a:t>21/06/2021</a:t>
             </a:fld>
             <a:endParaRPr lang="en-GB"/>
           </a:p>
@@ -1980,7 +1980,7 @@
           <a:p>
             <a:fld id="{486408F3-248D-4767-B5FA-BB4B09811B03}" type="datetimeFigureOut">
               <a:rPr lang="en-GB" smtClean="0"/>
-              <a:t>08/05/2021</a:t>
+              <a:t>21/06/2021</a:t>
             </a:fld>
             <a:endParaRPr lang="en-GB"/>
           </a:p>
@@ -2093,7 +2093,7 @@
           <a:p>
             <a:fld id="{486408F3-248D-4767-B5FA-BB4B09811B03}" type="datetimeFigureOut">
               <a:rPr lang="en-GB" smtClean="0"/>
-              <a:t>08/05/2021</a:t>
+              <a:t>21/06/2021</a:t>
             </a:fld>
             <a:endParaRPr lang="en-GB"/>
           </a:p>
@@ -2406,7 +2406,7 @@
           <a:p>
             <a:fld id="{486408F3-248D-4767-B5FA-BB4B09811B03}" type="datetimeFigureOut">
               <a:rPr lang="en-GB" smtClean="0"/>
-              <a:t>08/05/2021</a:t>
+              <a:t>21/06/2021</a:t>
             </a:fld>
             <a:endParaRPr lang="en-GB"/>
           </a:p>
@@ -2695,7 +2695,7 @@
           <a:p>
             <a:fld id="{486408F3-248D-4767-B5FA-BB4B09811B03}" type="datetimeFigureOut">
               <a:rPr lang="en-GB" smtClean="0"/>
-              <a:t>08/05/2021</a:t>
+              <a:t>21/06/2021</a:t>
             </a:fld>
             <a:endParaRPr lang="en-GB"/>
           </a:p>
@@ -2938,7 +2938,7 @@
           <a:p>
             <a:fld id="{486408F3-248D-4767-B5FA-BB4B09811B03}" type="datetimeFigureOut">
               <a:rPr lang="en-GB" smtClean="0"/>
-              <a:t>08/05/2021</a:t>
+              <a:t>21/06/2021</a:t>
             </a:fld>
             <a:endParaRPr lang="en-GB"/>
           </a:p>
@@ -3404,7 +3404,7 @@
           <a:p>
             <a:pPr algn="ctr"/>
             <a:r>
-              <a:rPr lang="en-GB" sz="1050" b="1" dirty="0">
+              <a:rPr lang="pt-PT" sz="1050" b="1" dirty="0">
                 <a:ln w="0"/>
                 <a:solidFill>
                   <a:schemeClr val="tx1"/>
@@ -3417,7 +3417,23 @@
                   </a:outerShdw>
                 </a:effectLst>
               </a:rPr>
-              <a:t>START</a:t>
+              <a:t>I</a:t>
+            </a:r>
+            <a:r>
+              <a:rPr lang="en-GB" sz="1050" b="1" dirty="0">
+                <a:ln w="0"/>
+                <a:solidFill>
+                  <a:schemeClr val="tx1"/>
+                </a:solidFill>
+                <a:effectLst>
+                  <a:outerShdw blurRad="38100" dist="19050" dir="2700000" algn="tl" rotWithShape="0">
+                    <a:schemeClr val="dk1">
+                      <a:alpha val="40000"/>
+                    </a:schemeClr>
+                  </a:outerShdw>
+                </a:effectLst>
+              </a:rPr>
+              <a:t>NICIO</a:t>
             </a:r>
             <a:endParaRPr lang="en-GB" sz="1050" b="1" dirty="0"/>
           </a:p>
@@ -3472,7 +3488,7 @@
           <a:p>
             <a:pPr algn="ctr"/>
             <a:r>
-              <a:rPr lang="en-GB" sz="1050" b="1" dirty="0">
+              <a:rPr lang="pt-PT" sz="1050" b="1" dirty="0">
                 <a:ln w="0"/>
                 <a:solidFill>
                   <a:schemeClr val="tx1"/>
@@ -3485,7 +3501,23 @@
                   </a:outerShdw>
                 </a:effectLst>
               </a:rPr>
-              <a:t>END</a:t>
+              <a:t>F</a:t>
+            </a:r>
+            <a:r>
+              <a:rPr lang="en-GB" sz="1050" b="1" dirty="0">
+                <a:ln w="0"/>
+                <a:solidFill>
+                  <a:schemeClr val="tx1"/>
+                </a:solidFill>
+                <a:effectLst>
+                  <a:outerShdw blurRad="38100" dist="19050" dir="2700000" algn="tl" rotWithShape="0">
+                    <a:schemeClr val="dk1">
+                      <a:alpha val="40000"/>
+                    </a:schemeClr>
+                  </a:outerShdw>
+                </a:effectLst>
+              </a:rPr>
+              <a:t>IM</a:t>
             </a:r>
             <a:endParaRPr lang="en-GB" sz="1050" b="1" dirty="0"/>
           </a:p>
@@ -3540,7 +3572,7 @@
           <a:p>
             <a:pPr algn="ctr"/>
             <a:r>
-              <a:rPr lang="en-GB" sz="1050" b="1" dirty="0">
+              <a:rPr lang="en-GB" sz="1050" b="1" dirty="0" err="1">
                 <a:ln w="0"/>
                 <a:solidFill>
                   <a:schemeClr val="tx1"/>
@@ -3553,7 +3585,23 @@
                   </a:outerShdw>
                 </a:effectLst>
               </a:rPr>
-              <a:t>Option 1</a:t>
+              <a:t>Opção</a:t>
+            </a:r>
+            <a:r>
+              <a:rPr lang="en-GB" sz="1050" b="1" dirty="0">
+                <a:ln w="0"/>
+                <a:solidFill>
+                  <a:schemeClr val="tx1"/>
+                </a:solidFill>
+                <a:effectLst>
+                  <a:outerShdw blurRad="38100" dist="19050" dir="2700000" algn="tl" rotWithShape="0">
+                    <a:schemeClr val="dk1">
+                      <a:alpha val="40000"/>
+                    </a:schemeClr>
+                  </a:outerShdw>
+                </a:effectLst>
+              </a:rPr>
+              <a:t> 1</a:t>
             </a:r>
             <a:endParaRPr lang="en-GB" sz="1050" b="1" dirty="0"/>
           </a:p>
@@ -3608,7 +3656,7 @@
           <a:p>
             <a:pPr algn="ctr"/>
             <a:r>
-              <a:rPr lang="en-GB" sz="1050" b="1" dirty="0">
+              <a:rPr lang="en-GB" sz="1050" b="1" dirty="0" err="1">
                 <a:ln w="0"/>
                 <a:solidFill>
                   <a:schemeClr val="tx1"/>
@@ -3621,7 +3669,23 @@
                   </a:outerShdw>
                 </a:effectLst>
               </a:rPr>
-              <a:t>Option 2</a:t>
+              <a:t>Opção</a:t>
+            </a:r>
+            <a:r>
+              <a:rPr lang="en-GB" sz="1050" b="1" dirty="0">
+                <a:ln w="0"/>
+                <a:solidFill>
+                  <a:schemeClr val="tx1"/>
+                </a:solidFill>
+                <a:effectLst>
+                  <a:outerShdw blurRad="38100" dist="19050" dir="2700000" algn="tl" rotWithShape="0">
+                    <a:schemeClr val="dk1">
+                      <a:alpha val="40000"/>
+                    </a:schemeClr>
+                  </a:outerShdw>
+                </a:effectLst>
+              </a:rPr>
+              <a:t> 2</a:t>
             </a:r>
             <a:endParaRPr lang="en-GB" sz="1050" b="1" dirty="0"/>
           </a:p>
@@ -3676,7 +3740,7 @@
           <a:p>
             <a:pPr algn="ctr"/>
             <a:r>
-              <a:rPr lang="en-GB" sz="1050" b="1" dirty="0">
+              <a:rPr lang="en-GB" sz="1050" b="1" dirty="0" err="1">
                 <a:ln w="0"/>
                 <a:solidFill>
                   <a:schemeClr val="tx1"/>
@@ -3689,7 +3753,23 @@
                   </a:outerShdw>
                 </a:effectLst>
               </a:rPr>
-              <a:t>Option 3</a:t>
+              <a:t>Opção</a:t>
+            </a:r>
+            <a:r>
+              <a:rPr lang="en-GB" sz="1050" b="1" dirty="0">
+                <a:ln w="0"/>
+                <a:solidFill>
+                  <a:schemeClr val="tx1"/>
+                </a:solidFill>
+                <a:effectLst>
+                  <a:outerShdw blurRad="38100" dist="19050" dir="2700000" algn="tl" rotWithShape="0">
+                    <a:schemeClr val="dk1">
+                      <a:alpha val="40000"/>
+                    </a:schemeClr>
+                  </a:outerShdw>
+                </a:effectLst>
+              </a:rPr>
+              <a:t> 3</a:t>
             </a:r>
             <a:endParaRPr lang="en-GB" sz="1050" b="1" dirty="0"/>
           </a:p>
@@ -3709,8 +3789,8 @@
         </p:nvSpPr>
         <p:spPr>
           <a:xfrm>
-            <a:off x="1697825" y="2411021"/>
-            <a:ext cx="1618208" cy="348225"/>
+            <a:off x="1835994" y="2411021"/>
+            <a:ext cx="1849200" cy="348225"/>
           </a:xfrm>
           <a:prstGeom prst="flowChartProcess">
             <a:avLst/>
@@ -3747,13 +3827,34 @@
               <a:buChar char="•"/>
             </a:pPr>
             <a:r>
+              <a:rPr lang="en-GB" sz="1050" b="1" dirty="0" err="1">
+                <a:solidFill>
+                  <a:schemeClr val="tx1"/>
+                </a:solidFill>
+              </a:rPr>
+              <a:t>Rotinas</a:t>
+            </a:r>
+            <a:r>
               <a:rPr lang="en-GB" sz="1050" b="1" dirty="0">
                 <a:solidFill>
                   <a:schemeClr val="tx1"/>
                 </a:solidFill>
               </a:rPr>
-              <a:t>Preamble Routines</a:t>
-            </a:r>
+              <a:t> de </a:t>
+            </a:r>
+            <a:r>
+              <a:rPr lang="en-GB" sz="1050" b="1" dirty="0" err="1">
+                <a:solidFill>
+                  <a:schemeClr val="tx1"/>
+                </a:solidFill>
+              </a:rPr>
+              <a:t>preâmbulo</a:t>
+            </a:r>
+            <a:endParaRPr lang="en-GB" sz="1050" b="1" dirty="0">
+              <a:solidFill>
+                <a:schemeClr val="tx1"/>
+              </a:solidFill>
+            </a:endParaRPr>
           </a:p>
           <a:p>
             <a:pPr marL="285750" indent="-285750">
@@ -3761,13 +3862,18 @@
               <a:buChar char="•"/>
             </a:pPr>
             <a:r>
-              <a:rPr lang="en-GB" sz="1050" b="1" dirty="0">
+              <a:rPr lang="en-GB" sz="1050" b="1" dirty="0" err="1">
                 <a:solidFill>
                   <a:schemeClr val="tx1"/>
                 </a:solidFill>
               </a:rPr>
-              <a:t>Routines</a:t>
-            </a:r>
+              <a:t>Rotinas</a:t>
+            </a:r>
+            <a:endParaRPr lang="en-GB" sz="1050" b="1" dirty="0">
+              <a:solidFill>
+                <a:schemeClr val="tx1"/>
+              </a:solidFill>
+            </a:endParaRPr>
           </a:p>
         </p:txBody>
       </p:sp>
@@ -4148,7 +4254,7 @@
         <p:spPr>
           <a:xfrm>
             <a:off x="4064149" y="3733449"/>
-            <a:ext cx="370614" cy="253916"/>
+            <a:ext cx="391454" cy="253916"/>
           </a:xfrm>
           <a:prstGeom prst="rect">
             <a:avLst/>
@@ -4162,9 +4268,14 @@
           <a:lstStyle/>
           <a:p>
             <a:r>
-              <a:rPr lang="en-GB" sz="1050" b="1" dirty="0"/>
-              <a:t>yes</a:t>
-            </a:r>
+              <a:rPr lang="pt-PT" sz="1050" b="1" dirty="0"/>
+              <a:t>S</a:t>
+            </a:r>
+            <a:r>
+              <a:rPr lang="en-GB" sz="1050" b="1" dirty="0" err="1"/>
+              <a:t>im</a:t>
+            </a:r>
+            <a:endParaRPr lang="en-GB" sz="1050" b="1" dirty="0"/>
           </a:p>
         </p:txBody>
       </p:sp>
@@ -4183,7 +4294,7 @@
         <p:spPr>
           <a:xfrm>
             <a:off x="2550368" y="3733448"/>
-            <a:ext cx="370614" cy="253916"/>
+            <a:ext cx="391454" cy="253916"/>
           </a:xfrm>
           <a:prstGeom prst="rect">
             <a:avLst/>
@@ -4197,9 +4308,14 @@
           <a:lstStyle/>
           <a:p>
             <a:r>
-              <a:rPr lang="en-GB" sz="1050" b="1" dirty="0"/>
-              <a:t>yes</a:t>
-            </a:r>
+              <a:rPr lang="pt-PT" sz="1050" b="1" dirty="0"/>
+              <a:t>S</a:t>
+            </a:r>
+            <a:r>
+              <a:rPr lang="en-GB" sz="1050" b="1" dirty="0" err="1"/>
+              <a:t>im</a:t>
+            </a:r>
+            <a:endParaRPr lang="en-GB" sz="1050" b="1" dirty="0"/>
           </a:p>
         </p:txBody>
       </p:sp>
@@ -4218,7 +4334,7 @@
         <p:spPr>
           <a:xfrm>
             <a:off x="5570504" y="3715367"/>
-            <a:ext cx="370614" cy="253916"/>
+            <a:ext cx="391454" cy="253916"/>
           </a:xfrm>
           <a:prstGeom prst="rect">
             <a:avLst/>
@@ -4232,9 +4348,14 @@
           <a:lstStyle/>
           <a:p>
             <a:r>
-              <a:rPr lang="en-GB" sz="1050" b="1" dirty="0"/>
-              <a:t>yes</a:t>
-            </a:r>
+              <a:rPr lang="pt-PT" sz="1050" b="1" dirty="0"/>
+              <a:t>S</a:t>
+            </a:r>
+            <a:r>
+              <a:rPr lang="en-GB" sz="1050" b="1" dirty="0" err="1"/>
+              <a:t>im</a:t>
+            </a:r>
+            <a:endParaRPr lang="en-GB" sz="1050" b="1" dirty="0"/>
           </a:p>
         </p:txBody>
       </p:sp>
@@ -4253,7 +4374,7 @@
         <p:spPr>
           <a:xfrm>
             <a:off x="4562042" y="3068922"/>
-            <a:ext cx="344966" cy="253916"/>
+            <a:ext cx="410690" cy="253916"/>
           </a:xfrm>
           <a:prstGeom prst="rect">
             <a:avLst/>
@@ -4267,9 +4388,10 @@
           <a:lstStyle/>
           <a:p>
             <a:r>
-              <a:rPr lang="en-GB" sz="1050" b="1" dirty="0"/>
-              <a:t>No</a:t>
-            </a:r>
+              <a:rPr lang="en-GB" sz="1050" b="1" dirty="0" err="1"/>
+              <a:t>Não</a:t>
+            </a:r>
+            <a:endParaRPr lang="en-GB" sz="1050" b="1" dirty="0"/>
           </a:p>
         </p:txBody>
       </p:sp>
@@ -4288,7 +4410,7 @@
         <p:spPr>
           <a:xfrm>
             <a:off x="3044132" y="3060126"/>
-            <a:ext cx="344966" cy="253916"/>
+            <a:ext cx="410690" cy="253916"/>
           </a:xfrm>
           <a:prstGeom prst="rect">
             <a:avLst/>
@@ -4302,9 +4424,10 @@
           <a:lstStyle/>
           <a:p>
             <a:r>
-              <a:rPr lang="en-GB" sz="1050" b="1" dirty="0"/>
-              <a:t>No</a:t>
-            </a:r>
+              <a:rPr lang="en-GB" sz="1050" b="1" dirty="0" err="1"/>
+              <a:t>Não</a:t>
+            </a:r>
+            <a:endParaRPr lang="en-GB" sz="1050" b="1" dirty="0"/>
           </a:p>
         </p:txBody>
       </p:sp>
@@ -4357,7 +4480,7 @@
           <a:p>
             <a:pPr algn="ctr"/>
             <a:r>
-              <a:rPr lang="en-GB" sz="1050" b="1" dirty="0">
+              <a:rPr lang="en-GB" sz="1050" b="1" dirty="0" err="1">
                 <a:ln w="0"/>
                 <a:solidFill>
                   <a:schemeClr val="tx1"/>
@@ -4370,7 +4493,23 @@
                   </a:outerShdw>
                 </a:effectLst>
               </a:rPr>
-              <a:t>Option nº</a:t>
+              <a:t>Opção</a:t>
+            </a:r>
+            <a:r>
+              <a:rPr lang="en-GB" sz="1050" b="1" dirty="0">
+                <a:ln w="0"/>
+                <a:solidFill>
+                  <a:schemeClr val="tx1"/>
+                </a:solidFill>
+                <a:effectLst>
+                  <a:outerShdw blurRad="38100" dist="19050" dir="2700000" algn="tl" rotWithShape="0">
+                    <a:schemeClr val="dk1">
+                      <a:alpha val="40000"/>
+                    </a:schemeClr>
+                  </a:outerShdw>
+                </a:effectLst>
+              </a:rPr>
+              <a:t> nº</a:t>
             </a:r>
             <a:endParaRPr lang="en-GB" sz="1050" b="1" dirty="0"/>
           </a:p>
@@ -4425,12 +4564,28 @@
           <a:p>
             <a:pPr algn="ctr"/>
             <a:r>
+              <a:rPr lang="pt-PT" sz="1050" b="1" dirty="0">
+                <a:solidFill>
+                  <a:schemeClr val="tx1"/>
+                </a:solidFill>
+              </a:rPr>
+              <a:t>F</a:t>
+            </a:r>
+            <a:r>
+              <a:rPr lang="en-GB" sz="1050" b="1" dirty="0" err="1">
+                <a:solidFill>
+                  <a:schemeClr val="tx1"/>
+                </a:solidFill>
+              </a:rPr>
+              <a:t>azer</a:t>
+            </a:r>
+            <a:r>
               <a:rPr lang="en-GB" sz="1050" b="1" dirty="0">
                 <a:solidFill>
                   <a:schemeClr val="tx1"/>
                 </a:solidFill>
               </a:rPr>
-              <a:t>Do Nothing</a:t>
+              <a:t> nada</a:t>
             </a:r>
           </a:p>
         </p:txBody>
@@ -4629,7 +4784,7 @@
         <p:spPr>
           <a:xfrm>
             <a:off x="8372218" y="3715367"/>
-            <a:ext cx="370614" cy="253916"/>
+            <a:ext cx="391454" cy="253916"/>
           </a:xfrm>
           <a:prstGeom prst="rect">
             <a:avLst/>
@@ -4643,9 +4798,14 @@
           <a:lstStyle/>
           <a:p>
             <a:r>
-              <a:rPr lang="en-GB" sz="1050" b="1" dirty="0"/>
-              <a:t>yes</a:t>
-            </a:r>
+              <a:rPr lang="pt-PT" sz="1050" b="1" dirty="0"/>
+              <a:t>S</a:t>
+            </a:r>
+            <a:r>
+              <a:rPr lang="en-GB" sz="1050" b="1" dirty="0" err="1"/>
+              <a:t>im</a:t>
+            </a:r>
+            <a:endParaRPr lang="en-GB" sz="1050" b="1" dirty="0"/>
           </a:p>
         </p:txBody>
       </p:sp>
@@ -4664,7 +4824,7 @@
         <p:spPr>
           <a:xfrm>
             <a:off x="7363756" y="3068922"/>
-            <a:ext cx="344966" cy="253916"/>
+            <a:ext cx="410690" cy="253916"/>
           </a:xfrm>
           <a:prstGeom prst="rect">
             <a:avLst/>
@@ -4678,9 +4838,10 @@
           <a:lstStyle/>
           <a:p>
             <a:r>
-              <a:rPr lang="en-GB" sz="1050" b="1" dirty="0"/>
-              <a:t>No</a:t>
-            </a:r>
+              <a:rPr lang="en-GB" sz="1050" b="1" dirty="0" err="1"/>
+              <a:t>Não</a:t>
+            </a:r>
+            <a:endParaRPr lang="en-GB" sz="1050" b="1" dirty="0"/>
           </a:p>
         </p:txBody>
       </p:sp>
@@ -4699,7 +4860,7 @@
         <p:spPr>
           <a:xfrm>
             <a:off x="8930317" y="3083913"/>
-            <a:ext cx="344966" cy="253916"/>
+            <a:ext cx="410690" cy="253916"/>
           </a:xfrm>
           <a:prstGeom prst="rect">
             <a:avLst/>
@@ -4713,9 +4874,10 @@
           <a:lstStyle/>
           <a:p>
             <a:r>
-              <a:rPr lang="en-GB" sz="1050" b="1" dirty="0"/>
-              <a:t>No</a:t>
-            </a:r>
+              <a:rPr lang="en-GB" sz="1050" b="1" dirty="0" err="1"/>
+              <a:t>Não</a:t>
+            </a:r>
+            <a:endParaRPr lang="en-GB" sz="1050" b="1" dirty="0"/>
           </a:p>
         </p:txBody>
       </p:sp>
@@ -4958,15 +5120,15 @@
             </a:extLst>
           </p:cNvPr>
           <p:cNvCxnSpPr>
+            <a:cxnSpLocks/>
             <a:stCxn id="2" idx="2"/>
-            <a:endCxn id="13" idx="0"/>
           </p:cNvCxnSpPr>
           <p:nvPr/>
         </p:nvCxnSpPr>
         <p:spPr>
           <a:xfrm>
             <a:off x="2506929" y="2147456"/>
-            <a:ext cx="0" cy="263565"/>
+            <a:ext cx="6349" cy="257214"/>
           </a:xfrm>
           <a:prstGeom prst="straightConnector1">
             <a:avLst/>
@@ -5003,15 +5165,14 @@
             </a:extLst>
           </p:cNvPr>
           <p:cNvCxnSpPr>
-            <a:stCxn id="13" idx="2"/>
-            <a:endCxn id="8" idx="0"/>
+            <a:cxnSpLocks/>
           </p:cNvCxnSpPr>
           <p:nvPr/>
         </p:nvCxnSpPr>
         <p:spPr>
           <a:xfrm>
-            <a:off x="2506929" y="2759246"/>
-            <a:ext cx="9477" cy="267652"/>
+            <a:off x="2520450" y="2759246"/>
+            <a:ext cx="0" cy="267652"/>
           </a:xfrm>
           <a:prstGeom prst="straightConnector1">
             <a:avLst/>
@@ -5089,12 +5250,20 @@
           <a:p>
             <a:pPr algn="ctr"/>
             <a:r>
+              <a:rPr lang="pt-PT" sz="1050" b="1" dirty="0">
+                <a:solidFill>
+                  <a:schemeClr val="tx1"/>
+                </a:solidFill>
+              </a:rPr>
+              <a:t>PROGRAMA</a:t>
+            </a:r>
+            <a:r>
               <a:rPr lang="pt-PT" sz="1100" b="1" dirty="0">
                 <a:solidFill>
                   <a:schemeClr val="tx1"/>
                 </a:solidFill>
               </a:rPr>
-              <a:t>PROGRAM 1</a:t>
+              <a:t> 1</a:t>
             </a:r>
             <a:endParaRPr lang="en-GB" sz="1100" b="1" dirty="0">
               <a:solidFill>
@@ -5249,14 +5418,22 @@
           <a:p>
             <a:pPr algn="ctr"/>
             <a:r>
-              <a:rPr lang="pt-PT" sz="1200" b="1" dirty="0">
+              <a:rPr lang="pt-PT" sz="1050" b="1" dirty="0">
                 <a:solidFill>
                   <a:schemeClr val="tx1"/>
                 </a:solidFill>
               </a:rPr>
-              <a:t>PROGRAM 3</a:t>
-            </a:r>
-            <a:endParaRPr lang="en-GB" sz="1200" b="1" dirty="0">
+              <a:t>PROGRAMA</a:t>
+            </a:r>
+            <a:r>
+              <a:rPr lang="pt-PT" sz="1100" b="1" dirty="0">
+                <a:solidFill>
+                  <a:schemeClr val="tx1"/>
+                </a:solidFill>
+              </a:rPr>
+              <a:t> 3</a:t>
+            </a:r>
+            <a:endParaRPr lang="en-GB" sz="1100" b="1" dirty="0">
               <a:solidFill>
                 <a:schemeClr val="tx1"/>
               </a:solidFill>
@@ -5409,14 +5586,14 @@
           <a:p>
             <a:pPr algn="ctr"/>
             <a:r>
-              <a:rPr lang="pt-PT" sz="1200" b="1" dirty="0">
+              <a:rPr lang="pt-PT" sz="1050" b="1" dirty="0">
                 <a:solidFill>
                   <a:schemeClr val="tx1"/>
                 </a:solidFill>
               </a:rPr>
-              <a:t>PROGRAM 2</a:t>
-            </a:r>
-            <a:endParaRPr lang="en-GB" sz="1200" b="1" dirty="0">
+              <a:t>PROGRAMA 2</a:t>
+            </a:r>
+            <a:endParaRPr lang="en-GB" sz="1050" b="1" dirty="0">
               <a:solidFill>
                 <a:schemeClr val="tx1"/>
               </a:solidFill>
@@ -5569,14 +5746,14 @@
           <a:p>
             <a:pPr algn="ctr"/>
             <a:r>
-              <a:rPr lang="pt-PT" sz="1200" b="1" dirty="0">
+              <a:rPr lang="pt-PT" sz="1050" b="1" dirty="0">
                 <a:solidFill>
                   <a:schemeClr val="tx1"/>
                 </a:solidFill>
               </a:rPr>
-              <a:t>PROGRAM Nº</a:t>
-            </a:r>
-            <a:endParaRPr lang="en-GB" sz="1200" b="1" dirty="0">
+              <a:t>PROGRAMA Nº</a:t>
+            </a:r>
+            <a:endParaRPr lang="en-GB" sz="1050" b="1" dirty="0">
               <a:solidFill>
                 <a:schemeClr val="tx1"/>
               </a:solidFill>
@@ -5599,7 +5776,7 @@
         <p:spPr>
           <a:xfrm>
             <a:off x="5442562" y="2041689"/>
-            <a:ext cx="1383071" cy="369332"/>
+            <a:ext cx="1522533" cy="369332"/>
           </a:xfrm>
           <a:prstGeom prst="rect">
             <a:avLst/>
@@ -5614,7 +5791,7 @@
           <a:p>
             <a:r>
               <a:rPr lang="pt-PT" b="1" dirty="0"/>
-              <a:t>PROGRAM</a:t>
+              <a:t>PROGRAMA</a:t>
             </a:r>
             <a:r>
               <a:rPr lang="pt-PT" dirty="0"/>
